--- a/project/발표용(박 환).pptx
+++ b/project/발표용(박 환).pptx
@@ -5,7 +5,7 @@
     <p:sldMasterId id="2147483648" r:id="rId1"/>
   </p:sldMasterIdLst>
   <p:notesMasterIdLst>
-    <p:notesMasterId r:id="rId13"/>
+    <p:notesMasterId r:id="rId12"/>
   </p:notesMasterIdLst>
   <p:sldIdLst>
     <p:sldId id="284" r:id="rId2"/>
@@ -16,27 +16,26 @@
     <p:sldId id="292" r:id="rId7"/>
     <p:sldId id="294" r:id="rId8"/>
     <p:sldId id="295" r:id="rId9"/>
-    <p:sldId id="296" r:id="rId10"/>
-    <p:sldId id="297" r:id="rId11"/>
-    <p:sldId id="286" r:id="rId12"/>
+    <p:sldId id="297" r:id="rId10"/>
+    <p:sldId id="286" r:id="rId11"/>
   </p:sldIdLst>
   <p:sldSz cx="9144000" cy="6858000" type="screen4x3"/>
   <p:notesSz cx="6858000" cy="9144000"/>
   <p:embeddedFontLst>
     <p:embeddedFont>
       <p:font typeface="나눔명조" panose="020B0600000101010101" charset="-127"/>
-      <p:regular r:id="rId14"/>
-      <p:bold r:id="rId15"/>
+      <p:regular r:id="rId13"/>
+      <p:bold r:id="rId14"/>
     </p:embeddedFont>
     <p:embeddedFont>
       <p:font typeface="나눔고딕" panose="020D0604000000000000" pitchFamily="50" charset="-127"/>
-      <p:regular r:id="rId16"/>
-      <p:bold r:id="rId17"/>
+      <p:regular r:id="rId15"/>
+      <p:bold r:id="rId16"/>
     </p:embeddedFont>
     <p:embeddedFont>
       <p:font typeface="맑은 고딕" panose="020B0503020000020004" pitchFamily="50" charset="-127"/>
-      <p:regular r:id="rId18"/>
-      <p:bold r:id="rId19"/>
+      <p:regular r:id="rId17"/>
+      <p:bold r:id="rId18"/>
     </p:embeddedFont>
   </p:embeddedFontLst>
   <p:defaultTextStyle>
@@ -255,7 +254,7 @@
             <a:fld id="{6BA870C5-E39E-4D4A-8B97-122E944BE205}" type="datetimeFigureOut">
               <a:rPr lang="ko-KR" altLang="en-US" smtClean="0"/>
               <a:pPr/>
-              <a:t>2022-04-13</a:t>
+              <a:t>2022-04-14</a:t>
             </a:fld>
             <a:endParaRPr lang="ko-KR" altLang="en-US"/>
           </a:p>
@@ -1918,7 +1917,7 @@
             <a:fld id="{793C75F0-4FDF-431C-B6B2-41F992E67A7C}" type="datetimeFigureOut">
               <a:rPr lang="ko-KR" altLang="en-US" smtClean="0"/>
               <a:pPr/>
-              <a:t>2022-04-13</a:t>
+              <a:t>2022-04-14</a:t>
             </a:fld>
             <a:endParaRPr lang="ko-KR" altLang="en-US"/>
           </a:p>
@@ -2083,7 +2082,7 @@
             <a:fld id="{793C75F0-4FDF-431C-B6B2-41F992E67A7C}" type="datetimeFigureOut">
               <a:rPr lang="ko-KR" altLang="en-US" smtClean="0"/>
               <a:pPr/>
-              <a:t>2022-04-13</a:t>
+              <a:t>2022-04-14</a:t>
             </a:fld>
             <a:endParaRPr lang="ko-KR" altLang="en-US"/>
           </a:p>
@@ -2291,7 +2290,7 @@
             <a:fld id="{793C75F0-4FDF-431C-B6B2-41F992E67A7C}" type="datetimeFigureOut">
               <a:rPr lang="ko-KR" altLang="en-US" smtClean="0"/>
               <a:pPr/>
-              <a:t>2022-04-13</a:t>
+              <a:t>2022-04-14</a:t>
             </a:fld>
             <a:endParaRPr lang="ko-KR" altLang="en-US"/>
           </a:p>
@@ -3141,660 +3140,6 @@
           <a:chExt cx="0" cy="0"/>
         </a:xfrm>
       </p:grpSpPr>
-      <p:pic>
-        <p:nvPicPr>
-          <p:cNvPr id="3" name="그림 2">
-            <a:extLst>
-              <a:ext uri="{FF2B5EF4-FFF2-40B4-BE49-F238E27FC236}">
-                <a16:creationId xmlns:a16="http://schemas.microsoft.com/office/drawing/2014/main" id="{A5DCA789-B4D7-4C18-BE29-A159F0CBE548}"/>
-              </a:ext>
-            </a:extLst>
-          </p:cNvPr>
-          <p:cNvPicPr>
-            <a:picLocks noChangeAspect="1"/>
-          </p:cNvPicPr>
-          <p:nvPr/>
-        </p:nvPicPr>
-        <p:blipFill>
-          <a:blip r:embed="rId2">
-            <a:extLst>
-              <a:ext uri="{28A0092B-C50C-407E-A947-70E740481C1C}">
-                <a14:useLocalDpi xmlns:a14="http://schemas.microsoft.com/office/drawing/2010/main" val="0"/>
-              </a:ext>
-            </a:extLst>
-          </a:blip>
-          <a:stretch>
-            <a:fillRect/>
-          </a:stretch>
-        </p:blipFill>
-        <p:spPr>
-          <a:xfrm>
-            <a:off x="4365473" y="1414800"/>
-            <a:ext cx="4627514" cy="4680000"/>
-          </a:xfrm>
-          <a:prstGeom prst="rect">
-            <a:avLst/>
-          </a:prstGeom>
-        </p:spPr>
-      </p:pic>
-      <p:pic>
-        <p:nvPicPr>
-          <p:cNvPr id="5" name="그림 4">
-            <a:extLst>
-              <a:ext uri="{FF2B5EF4-FFF2-40B4-BE49-F238E27FC236}">
-                <a16:creationId xmlns:a16="http://schemas.microsoft.com/office/drawing/2014/main" id="{45F04110-D1E4-473B-9A85-65A679797840}"/>
-              </a:ext>
-            </a:extLst>
-          </p:cNvPr>
-          <p:cNvPicPr>
-            <a:picLocks noChangeAspect="1"/>
-          </p:cNvPicPr>
-          <p:nvPr/>
-        </p:nvPicPr>
-        <p:blipFill>
-          <a:blip r:embed="rId3">
-            <a:extLst>
-              <a:ext uri="{28A0092B-C50C-407E-A947-70E740481C1C}">
-                <a14:useLocalDpi xmlns:a14="http://schemas.microsoft.com/office/drawing/2010/main" val="0"/>
-              </a:ext>
-            </a:extLst>
-          </a:blip>
-          <a:stretch>
-            <a:fillRect/>
-          </a:stretch>
-        </p:blipFill>
-        <p:spPr>
-          <a:xfrm>
-            <a:off x="216992" y="1414800"/>
-            <a:ext cx="4627514" cy="4680000"/>
-          </a:xfrm>
-          <a:prstGeom prst="rect">
-            <a:avLst/>
-          </a:prstGeom>
-        </p:spPr>
-      </p:pic>
-      <p:sp>
-        <p:nvSpPr>
-          <p:cNvPr id="8" name="직사각형 7"/>
-          <p:cNvSpPr/>
-          <p:nvPr/>
-        </p:nvSpPr>
-        <p:spPr>
-          <a:xfrm>
-            <a:off x="323528" y="332657"/>
-            <a:ext cx="8496944" cy="1008111"/>
-          </a:xfrm>
-          <a:prstGeom prst="rect">
-            <a:avLst/>
-          </a:prstGeom>
-          <a:solidFill>
-            <a:srgbClr val="C00000"/>
-          </a:solidFill>
-          <a:ln>
-            <a:noFill/>
-          </a:ln>
-        </p:spPr>
-        <p:style>
-          <a:lnRef idx="2">
-            <a:schemeClr val="accent1">
-              <a:shade val="50000"/>
-            </a:schemeClr>
-          </a:lnRef>
-          <a:fillRef idx="1">
-            <a:schemeClr val="accent1"/>
-          </a:fillRef>
-          <a:effectRef idx="0">
-            <a:schemeClr val="accent1"/>
-          </a:effectRef>
-          <a:fontRef idx="minor">
-            <a:schemeClr val="lt1"/>
-          </a:fontRef>
-        </p:style>
-        <p:txBody>
-          <a:bodyPr rtlCol="0" anchor="ctr"/>
-          <a:lstStyle/>
-          <a:p>
-            <a:pPr algn="ctr"/>
-            <a:endParaRPr lang="ko-KR" altLang="en-US" dirty="0">
-              <a:solidFill>
-                <a:schemeClr val="accent2">
-                  <a:lumMod val="75000"/>
-                </a:schemeClr>
-              </a:solidFill>
-            </a:endParaRPr>
-          </a:p>
-        </p:txBody>
-      </p:sp>
-      <p:sp>
-        <p:nvSpPr>
-          <p:cNvPr id="17" name="TextBox 16"/>
-          <p:cNvSpPr txBox="1"/>
-          <p:nvPr/>
-        </p:nvSpPr>
-        <p:spPr>
-          <a:xfrm>
-            <a:off x="7380312" y="6453336"/>
-            <a:ext cx="1584176" cy="215444"/>
-          </a:xfrm>
-          <a:prstGeom prst="rect">
-            <a:avLst/>
-          </a:prstGeom>
-          <a:noFill/>
-        </p:spPr>
-        <p:txBody>
-          <a:bodyPr wrap="square" rtlCol="0">
-            <a:spAutoFit/>
-          </a:bodyPr>
-          <a:lstStyle/>
-          <a:p>
-            <a:pPr algn="r"/>
-            <a:fld id="{F21F0D38-7387-499E-A9A8-C0EA851748E4}" type="slidenum">
-              <a:rPr lang="en-US" altLang="ko-KR" sz="800" spc="-30" smtClean="0">
-                <a:solidFill>
-                  <a:schemeClr val="tx1">
-                    <a:lumMod val="50000"/>
-                    <a:lumOff val="50000"/>
-                  </a:schemeClr>
-                </a:solidFill>
-                <a:latin typeface="나눔고딕" pitchFamily="50" charset="-127"/>
-                <a:ea typeface="나눔고딕" pitchFamily="50" charset="-127"/>
-              </a:rPr>
-              <a:pPr algn="r"/>
-              <a:t>10</a:t>
-            </a:fld>
-            <a:r>
-              <a:rPr lang="en-US" altLang="ko-KR" sz="800" spc="-30" dirty="0">
-                <a:solidFill>
-                  <a:schemeClr val="tx1">
-                    <a:lumMod val="50000"/>
-                    <a:lumOff val="50000"/>
-                  </a:schemeClr>
-                </a:solidFill>
-                <a:latin typeface="나눔고딕" pitchFamily="50" charset="-127"/>
-                <a:ea typeface="나눔고딕" pitchFamily="50" charset="-127"/>
-              </a:rPr>
-              <a:t> / 12</a:t>
-            </a:r>
-          </a:p>
-        </p:txBody>
-      </p:sp>
-      <p:sp>
-        <p:nvSpPr>
-          <p:cNvPr id="12" name="제목 11"/>
-          <p:cNvSpPr>
-            <a:spLocks noGrp="1"/>
-          </p:cNvSpPr>
-          <p:nvPr>
-            <p:ph type="title"/>
-          </p:nvPr>
-        </p:nvSpPr>
-        <p:spPr>
-          <a:xfrm>
-            <a:off x="395536" y="404267"/>
-            <a:ext cx="8229600" cy="1143000"/>
-          </a:xfrm>
-        </p:spPr>
-        <p:txBody>
-          <a:bodyPr anchor="t">
-            <a:normAutofit/>
-          </a:bodyPr>
-          <a:lstStyle/>
-          <a:p>
-            <a:pPr algn="l"/>
-            <a:r>
-              <a:rPr lang="ko-KR" altLang="en-US" sz="2400" dirty="0">
-                <a:solidFill>
-                  <a:schemeClr val="bg1"/>
-                </a:solidFill>
-              </a:rPr>
-              <a:t>세부 기업 분석</a:t>
-            </a:r>
-            <a:br>
-              <a:rPr lang="en-US" altLang="ko-KR" sz="2400" dirty="0">
-                <a:solidFill>
-                  <a:schemeClr val="bg1"/>
-                </a:solidFill>
-              </a:rPr>
-            </a:br>
-            <a:r>
-              <a:rPr lang="en-US" altLang="ko-KR" sz="2400" dirty="0">
-                <a:solidFill>
-                  <a:schemeClr val="bg1"/>
-                </a:solidFill>
-              </a:rPr>
-              <a:t> - </a:t>
-            </a:r>
-            <a:r>
-              <a:rPr lang="ko-KR" altLang="en-US" sz="2400" dirty="0">
-                <a:solidFill>
-                  <a:schemeClr val="bg1"/>
-                </a:solidFill>
-              </a:rPr>
-              <a:t>경기도 행정구별 지도 시각화</a:t>
-            </a:r>
-          </a:p>
-        </p:txBody>
-      </p:sp>
-      <p:sp>
-        <p:nvSpPr>
-          <p:cNvPr id="13" name="TextBox 12">
-            <a:extLst>
-              <a:ext uri="{FF2B5EF4-FFF2-40B4-BE49-F238E27FC236}">
-                <a16:creationId xmlns:a16="http://schemas.microsoft.com/office/drawing/2014/main" id="{F2B62338-EFFC-4AEF-A33B-529AEBE601E2}"/>
-              </a:ext>
-            </a:extLst>
-          </p:cNvPr>
-          <p:cNvSpPr txBox="1"/>
-          <p:nvPr/>
-        </p:nvSpPr>
-        <p:spPr>
-          <a:xfrm>
-            <a:off x="657529" y="5949280"/>
-            <a:ext cx="7967607" cy="548933"/>
-          </a:xfrm>
-          <a:prstGeom prst="rect">
-            <a:avLst/>
-          </a:prstGeom>
-          <a:noFill/>
-        </p:spPr>
-        <p:txBody>
-          <a:bodyPr wrap="square" rtlCol="0">
-            <a:spAutoFit/>
-          </a:bodyPr>
-          <a:lstStyle/>
-          <a:p>
-            <a:pPr>
-              <a:lnSpc>
-                <a:spcPct val="120000"/>
-              </a:lnSpc>
-              <a:buFont typeface="Wingdings" panose="05000000000000000000" pitchFamily="2" charset="2"/>
-              <a:buChar char="u"/>
-            </a:pPr>
-            <a:r>
-              <a:rPr lang="ko-KR" altLang="en-US" sz="1300" b="1" spc="-30" dirty="0">
-                <a:solidFill>
-                  <a:schemeClr val="tx1">
-                    <a:lumMod val="65000"/>
-                    <a:lumOff val="35000"/>
-                  </a:schemeClr>
-                </a:solidFill>
-                <a:latin typeface="나눔명조" pitchFamily="18" charset="-127"/>
-                <a:ea typeface="나눔명조" pitchFamily="18" charset="-127"/>
-              </a:rPr>
-              <a:t> 제조</a:t>
-            </a:r>
-            <a:r>
-              <a:rPr lang="en-US" altLang="ko-KR" sz="1300" b="1" spc="-30" dirty="0">
-                <a:solidFill>
-                  <a:schemeClr val="tx1">
-                    <a:lumMod val="65000"/>
-                    <a:lumOff val="35000"/>
-                  </a:schemeClr>
-                </a:solidFill>
-                <a:latin typeface="나눔명조" pitchFamily="18" charset="-127"/>
-                <a:ea typeface="나눔명조" pitchFamily="18" charset="-127"/>
-              </a:rPr>
-              <a:t>/</a:t>
-            </a:r>
-            <a:r>
-              <a:rPr lang="ko-KR" altLang="en-US" sz="1300" b="1" spc="-30" dirty="0">
-                <a:solidFill>
-                  <a:schemeClr val="tx1">
-                    <a:lumMod val="65000"/>
-                    <a:lumOff val="35000"/>
-                  </a:schemeClr>
-                </a:solidFill>
-                <a:latin typeface="나눔명조" pitchFamily="18" charset="-127"/>
-                <a:ea typeface="나눔명조" pitchFamily="18" charset="-127"/>
-              </a:rPr>
-              <a:t>화학</a:t>
-            </a:r>
-            <a:r>
-              <a:rPr lang="en-US" altLang="ko-KR" sz="1300" b="1" spc="-30" dirty="0">
-                <a:solidFill>
-                  <a:schemeClr val="tx1">
-                    <a:lumMod val="65000"/>
-                    <a:lumOff val="35000"/>
-                  </a:schemeClr>
-                </a:solidFill>
-                <a:latin typeface="나눔명조" pitchFamily="18" charset="-127"/>
-                <a:ea typeface="나눔명조" pitchFamily="18" charset="-127"/>
-              </a:rPr>
-              <a:t> </a:t>
-            </a:r>
-            <a:r>
-              <a:rPr lang="ko-KR" altLang="en-US" sz="1300" b="1" spc="-30" dirty="0">
-                <a:solidFill>
-                  <a:schemeClr val="tx1">
-                    <a:lumMod val="65000"/>
-                    <a:lumOff val="35000"/>
-                  </a:schemeClr>
-                </a:solidFill>
-                <a:latin typeface="나눔명조" pitchFamily="18" charset="-127"/>
-                <a:ea typeface="나눔명조" pitchFamily="18" charset="-127"/>
-              </a:rPr>
-              <a:t>업계 업체들은 안산</a:t>
-            </a:r>
-            <a:r>
-              <a:rPr lang="en-US" altLang="ko-KR" sz="1300" b="1" spc="-30" dirty="0">
-                <a:solidFill>
-                  <a:schemeClr val="tx1">
-                    <a:lumMod val="65000"/>
-                    <a:lumOff val="35000"/>
-                  </a:schemeClr>
-                </a:solidFill>
-                <a:latin typeface="나눔명조" pitchFamily="18" charset="-127"/>
-                <a:ea typeface="나눔명조" pitchFamily="18" charset="-127"/>
-              </a:rPr>
-              <a:t>, </a:t>
-            </a:r>
-            <a:r>
-              <a:rPr lang="ko-KR" altLang="en-US" sz="1300" b="1" spc="-30" dirty="0">
-                <a:solidFill>
-                  <a:schemeClr val="tx1">
-                    <a:lumMod val="65000"/>
-                    <a:lumOff val="35000"/>
-                  </a:schemeClr>
-                </a:solidFill>
-                <a:latin typeface="나눔명조" pitchFamily="18" charset="-127"/>
-                <a:ea typeface="나눔명조" pitchFamily="18" charset="-127"/>
-              </a:rPr>
-              <a:t>화성</a:t>
-            </a:r>
-            <a:r>
-              <a:rPr lang="en-US" altLang="ko-KR" sz="1300" b="1" spc="-30" dirty="0">
-                <a:solidFill>
-                  <a:schemeClr val="tx1">
-                    <a:lumMod val="65000"/>
-                    <a:lumOff val="35000"/>
-                  </a:schemeClr>
-                </a:solidFill>
-                <a:latin typeface="나눔명조" pitchFamily="18" charset="-127"/>
-                <a:ea typeface="나눔명조" pitchFamily="18" charset="-127"/>
-              </a:rPr>
-              <a:t>, </a:t>
-            </a:r>
-            <a:r>
-              <a:rPr lang="ko-KR" altLang="en-US" sz="1300" b="1" spc="-30" dirty="0">
-                <a:solidFill>
-                  <a:schemeClr val="tx1">
-                    <a:lumMod val="65000"/>
-                    <a:lumOff val="35000"/>
-                  </a:schemeClr>
-                </a:solidFill>
-                <a:latin typeface="나눔명조" pitchFamily="18" charset="-127"/>
-                <a:ea typeface="나눔명조" pitchFamily="18" charset="-127"/>
-              </a:rPr>
-              <a:t>평택 용인시 지역으로 주로 분포</a:t>
-            </a:r>
-            <a:endParaRPr lang="en-US" altLang="ko-KR" sz="1300" b="1" spc="-30" dirty="0">
-              <a:solidFill>
-                <a:schemeClr val="tx1">
-                  <a:lumMod val="65000"/>
-                  <a:lumOff val="35000"/>
-                </a:schemeClr>
-              </a:solidFill>
-              <a:latin typeface="나눔명조" pitchFamily="18" charset="-127"/>
-              <a:ea typeface="나눔명조" pitchFamily="18" charset="-127"/>
-            </a:endParaRPr>
-          </a:p>
-          <a:p>
-            <a:pPr>
-              <a:lnSpc>
-                <a:spcPct val="120000"/>
-              </a:lnSpc>
-            </a:pPr>
-            <a:r>
-              <a:rPr lang="en-US" altLang="ko-KR" sz="1300" b="1" spc="-30" dirty="0">
-                <a:solidFill>
-                  <a:schemeClr val="tx1">
-                    <a:lumMod val="65000"/>
-                    <a:lumOff val="35000"/>
-                  </a:schemeClr>
-                </a:solidFill>
-                <a:latin typeface="나눔명조" pitchFamily="18" charset="-127"/>
-                <a:ea typeface="나눔명조" pitchFamily="18" charset="-127"/>
-              </a:rPr>
-              <a:t>   - </a:t>
-            </a:r>
-            <a:r>
-              <a:rPr lang="ko-KR" altLang="en-US" sz="1300" b="1" spc="-30" dirty="0">
-                <a:solidFill>
-                  <a:schemeClr val="tx1">
-                    <a:lumMod val="65000"/>
-                    <a:lumOff val="35000"/>
-                  </a:schemeClr>
-                </a:solidFill>
-                <a:latin typeface="나눔명조" pitchFamily="18" charset="-127"/>
-                <a:ea typeface="나눔명조" pitchFamily="18" charset="-127"/>
-              </a:rPr>
-              <a:t>자동차</a:t>
-            </a:r>
-            <a:r>
-              <a:rPr lang="en-US" altLang="ko-KR" sz="1300" b="1" spc="-30" dirty="0">
-                <a:solidFill>
-                  <a:schemeClr val="tx1">
-                    <a:lumMod val="65000"/>
-                    <a:lumOff val="35000"/>
-                  </a:schemeClr>
-                </a:solidFill>
-                <a:latin typeface="나눔명조" pitchFamily="18" charset="-127"/>
-                <a:ea typeface="나눔명조" pitchFamily="18" charset="-127"/>
-              </a:rPr>
-              <a:t>, </a:t>
-            </a:r>
-            <a:r>
-              <a:rPr lang="ko-KR" altLang="en-US" sz="1300" b="1" spc="-30" dirty="0">
-                <a:solidFill>
-                  <a:schemeClr val="tx1">
-                    <a:lumMod val="65000"/>
-                    <a:lumOff val="35000"/>
-                  </a:schemeClr>
-                </a:solidFill>
-                <a:latin typeface="나눔명조" pitchFamily="18" charset="-127"/>
-                <a:ea typeface="나눔명조" pitchFamily="18" charset="-127"/>
-              </a:rPr>
-              <a:t>반도체 업체와 가까운 거리에 관련 협력 업체들이 주 부류로 분포했을 것으로 판단</a:t>
-            </a:r>
-            <a:endParaRPr lang="en-US" altLang="ko-KR" sz="1300" b="1" spc="-30" dirty="0">
-              <a:solidFill>
-                <a:schemeClr val="tx1">
-                  <a:lumMod val="65000"/>
-                  <a:lumOff val="35000"/>
-                </a:schemeClr>
-              </a:solidFill>
-              <a:latin typeface="나눔명조" pitchFamily="18" charset="-127"/>
-              <a:ea typeface="나눔명조" pitchFamily="18" charset="-127"/>
-            </a:endParaRPr>
-          </a:p>
-        </p:txBody>
-      </p:sp>
-      <p:sp>
-        <p:nvSpPr>
-          <p:cNvPr id="27" name="타원 26">
-            <a:extLst>
-              <a:ext uri="{FF2B5EF4-FFF2-40B4-BE49-F238E27FC236}">
-                <a16:creationId xmlns:a16="http://schemas.microsoft.com/office/drawing/2014/main" id="{307FE456-9D08-46DC-A6C7-27199414409D}"/>
-              </a:ext>
-            </a:extLst>
-          </p:cNvPr>
-          <p:cNvSpPr/>
-          <p:nvPr/>
-        </p:nvSpPr>
-        <p:spPr>
-          <a:xfrm rot="1773106">
-            <a:off x="776024" y="4562373"/>
-            <a:ext cx="2635521" cy="1023072"/>
-          </a:xfrm>
-          <a:prstGeom prst="ellipse">
-            <a:avLst/>
-          </a:prstGeom>
-          <a:noFill/>
-          <a:ln>
-            <a:solidFill>
-              <a:srgbClr val="FF0000"/>
-            </a:solidFill>
-          </a:ln>
-        </p:spPr>
-        <p:style>
-          <a:lnRef idx="2">
-            <a:schemeClr val="accent1">
-              <a:shade val="50000"/>
-            </a:schemeClr>
-          </a:lnRef>
-          <a:fillRef idx="1">
-            <a:schemeClr val="accent1"/>
-          </a:fillRef>
-          <a:effectRef idx="0">
-            <a:schemeClr val="accent1"/>
-          </a:effectRef>
-          <a:fontRef idx="minor">
-            <a:schemeClr val="lt1"/>
-          </a:fontRef>
-        </p:style>
-        <p:txBody>
-          <a:bodyPr rtlCol="0" anchor="ctr"/>
-          <a:lstStyle/>
-          <a:p>
-            <a:pPr algn="ctr"/>
-            <a:endParaRPr lang="ko-KR" altLang="en-US"/>
-          </a:p>
-        </p:txBody>
-      </p:sp>
-      <p:sp>
-        <p:nvSpPr>
-          <p:cNvPr id="28" name="타원 27">
-            <a:extLst>
-              <a:ext uri="{FF2B5EF4-FFF2-40B4-BE49-F238E27FC236}">
-                <a16:creationId xmlns:a16="http://schemas.microsoft.com/office/drawing/2014/main" id="{A5004D28-EB20-40B4-9ABD-27FA8C6DC462}"/>
-              </a:ext>
-            </a:extLst>
-          </p:cNvPr>
-          <p:cNvSpPr/>
-          <p:nvPr/>
-        </p:nvSpPr>
-        <p:spPr>
-          <a:xfrm rot="19652370">
-            <a:off x="988009" y="2736428"/>
-            <a:ext cx="1406929" cy="740568"/>
-          </a:xfrm>
-          <a:prstGeom prst="ellipse">
-            <a:avLst/>
-          </a:prstGeom>
-          <a:noFill/>
-          <a:ln>
-            <a:solidFill>
-              <a:srgbClr val="FF0000"/>
-            </a:solidFill>
-          </a:ln>
-        </p:spPr>
-        <p:style>
-          <a:lnRef idx="2">
-            <a:schemeClr val="accent1">
-              <a:shade val="50000"/>
-            </a:schemeClr>
-          </a:lnRef>
-          <a:fillRef idx="1">
-            <a:schemeClr val="accent1"/>
-          </a:fillRef>
-          <a:effectRef idx="0">
-            <a:schemeClr val="accent1"/>
-          </a:effectRef>
-          <a:fontRef idx="minor">
-            <a:schemeClr val="lt1"/>
-          </a:fontRef>
-        </p:style>
-        <p:txBody>
-          <a:bodyPr rtlCol="0" anchor="ctr"/>
-          <a:lstStyle/>
-          <a:p>
-            <a:pPr algn="ctr"/>
-            <a:endParaRPr lang="ko-KR" altLang="en-US" dirty="0"/>
-          </a:p>
-        </p:txBody>
-      </p:sp>
-      <p:sp>
-        <p:nvSpPr>
-          <p:cNvPr id="15" name="타원 14">
-            <a:extLst>
-              <a:ext uri="{FF2B5EF4-FFF2-40B4-BE49-F238E27FC236}">
-                <a16:creationId xmlns:a16="http://schemas.microsoft.com/office/drawing/2014/main" id="{A29FF246-5BE1-4005-9AAE-5D1BF9AF51F6}"/>
-              </a:ext>
-            </a:extLst>
-          </p:cNvPr>
-          <p:cNvSpPr/>
-          <p:nvPr/>
-        </p:nvSpPr>
-        <p:spPr>
-          <a:xfrm>
-            <a:off x="5362291" y="4509120"/>
-            <a:ext cx="1585973" cy="792088"/>
-          </a:xfrm>
-          <a:prstGeom prst="ellipse">
-            <a:avLst/>
-          </a:prstGeom>
-          <a:noFill/>
-          <a:ln>
-            <a:solidFill>
-              <a:srgbClr val="FF0000"/>
-            </a:solidFill>
-          </a:ln>
-        </p:spPr>
-        <p:style>
-          <a:lnRef idx="2">
-            <a:schemeClr val="accent1">
-              <a:shade val="50000"/>
-            </a:schemeClr>
-          </a:lnRef>
-          <a:fillRef idx="1">
-            <a:schemeClr val="accent1"/>
-          </a:fillRef>
-          <a:effectRef idx="0">
-            <a:schemeClr val="accent1"/>
-          </a:effectRef>
-          <a:fontRef idx="minor">
-            <a:schemeClr val="lt1"/>
-          </a:fontRef>
-        </p:style>
-        <p:txBody>
-          <a:bodyPr rtlCol="0" anchor="ctr"/>
-          <a:lstStyle/>
-          <a:p>
-            <a:pPr algn="ctr"/>
-            <a:endParaRPr lang="ko-KR" altLang="en-US"/>
-          </a:p>
-        </p:txBody>
-      </p:sp>
-    </p:spTree>
-    <p:extLst>
-      <p:ext uri="{BB962C8B-B14F-4D97-AF65-F5344CB8AC3E}">
-        <p14:creationId xmlns:p14="http://schemas.microsoft.com/office/powerpoint/2010/main" val="2630377735"/>
-      </p:ext>
-    </p:extLst>
-  </p:cSld>
-  <p:clrMapOvr>
-    <a:masterClrMapping/>
-  </p:clrMapOvr>
-</p:sld>
-</file>
-
-<file path=ppt/slides/slide11.xml><?xml version="1.0" encoding="utf-8"?>
-<p:sld xmlns:a="http://schemas.openxmlformats.org/drawingml/2006/main" xmlns:r="http://schemas.openxmlformats.org/officeDocument/2006/relationships" xmlns:p="http://schemas.openxmlformats.org/presentationml/2006/main">
-  <p:cSld>
-    <p:spTree>
-      <p:nvGrpSpPr>
-        <p:cNvPr id="1" name=""/>
-        <p:cNvGrpSpPr/>
-        <p:nvPr/>
-      </p:nvGrpSpPr>
-      <p:grpSpPr>
-        <a:xfrm>
-          <a:off x="0" y="0"/>
-          <a:ext cx="0" cy="0"/>
-          <a:chOff x="0" y="0"/>
-          <a:chExt cx="0" cy="0"/>
-        </a:xfrm>
-      </p:grpSpPr>
       <p:sp>
         <p:nvSpPr>
           <p:cNvPr id="8" name="직사각형 7"/>
@@ -4552,7 +3897,7 @@
         <p:spPr>
           <a:xfrm>
             <a:off x="323528" y="1484784"/>
-            <a:ext cx="8496944" cy="3191451"/>
+            <a:ext cx="8496944" cy="3189656"/>
           </a:xfrm>
           <a:prstGeom prst="rect">
             <a:avLst/>
@@ -5347,7 +4692,7 @@
                 <a:ea typeface="나눔명조" pitchFamily="18" charset="-127"/>
                 <a:cs typeface="+mn-cs"/>
               </a:rPr>
-              <a:t>경기도 위주로 산업별 기업들의 분포를 시각화 하여 분석</a:t>
+              <a:t>경기도 위주로 산업별 기업들 중 특징이 있는 분포를 시각화 하여 분석</a:t>
             </a:r>
             <a:endParaRPr kumimoji="0" lang="en-US" altLang="ko-KR" sz="1300" b="1" i="0" u="none" strike="noStrike" kern="1200" cap="none" spc="-30" normalizeH="0" baseline="0" noProof="0" dirty="0">
               <a:ln>
@@ -6936,7 +6281,7 @@
                 <a:latin typeface="나눔명조" pitchFamily="18" charset="-127"/>
                 <a:ea typeface="나눔명조" pitchFamily="18" charset="-127"/>
               </a:rPr>
-              <a:t>두 관련 </a:t>
+              <a:t>두 </a:t>
             </a:r>
             <a:r>
               <a:rPr lang="ko-KR" altLang="en-US" sz="1300" b="1" spc="-30" dirty="0" err="1">
@@ -9871,7 +9216,7 @@
         <p:spPr>
           <a:xfrm>
             <a:off x="657529" y="5949280"/>
-            <a:ext cx="7967607" cy="788999"/>
+            <a:ext cx="7967607" cy="548933"/>
           </a:xfrm>
           <a:prstGeom prst="rect">
             <a:avLst/>
@@ -10075,107 +9420,7 @@
                 <a:latin typeface="나눔명조" pitchFamily="18" charset="-127"/>
                 <a:ea typeface="나눔명조" pitchFamily="18" charset="-127"/>
               </a:rPr>
-              <a:t>반도체 업체와 가까운 거리에 협력업체들이 </a:t>
-            </a:r>
-            <a:r>
-              <a:rPr lang="en-US" altLang="ko-KR" sz="1300" b="1" spc="-30" dirty="0">
-                <a:solidFill>
-                  <a:schemeClr val="tx1">
-                    <a:lumMod val="65000"/>
-                    <a:lumOff val="35000"/>
-                  </a:schemeClr>
-                </a:solidFill>
-                <a:latin typeface="나눔명조" pitchFamily="18" charset="-127"/>
-                <a:ea typeface="나눔명조" pitchFamily="18" charset="-127"/>
-              </a:rPr>
-              <a:t> </a:t>
-            </a:r>
-          </a:p>
-          <a:p>
-            <a:pPr>
-              <a:lnSpc>
-                <a:spcPct val="120000"/>
-              </a:lnSpc>
-              <a:buFont typeface="Wingdings" panose="05000000000000000000" pitchFamily="2" charset="2"/>
-              <a:buChar char="u"/>
-            </a:pPr>
-            <a:r>
-              <a:rPr lang="en-US" altLang="ko-KR" sz="1300" b="1" spc="-30" dirty="0">
-                <a:solidFill>
-                  <a:schemeClr val="tx1">
-                    <a:lumMod val="65000"/>
-                    <a:lumOff val="35000"/>
-                  </a:schemeClr>
-                </a:solidFill>
-                <a:latin typeface="나눔명조" pitchFamily="18" charset="-127"/>
-                <a:ea typeface="나눔명조" pitchFamily="18" charset="-127"/>
-              </a:rPr>
-              <a:t> </a:t>
-            </a:r>
-            <a:r>
-              <a:rPr lang="ko-KR" altLang="en-US" sz="1300" b="1" spc="-30" dirty="0">
-                <a:solidFill>
-                  <a:schemeClr val="tx1">
-                    <a:lumMod val="65000"/>
-                    <a:lumOff val="35000"/>
-                  </a:schemeClr>
-                </a:solidFill>
-                <a:latin typeface="나눔명조" pitchFamily="18" charset="-127"/>
-                <a:ea typeface="나눔명조" pitchFamily="18" charset="-127"/>
-              </a:rPr>
-              <a:t>의료</a:t>
-            </a:r>
-            <a:r>
-              <a:rPr lang="en-US" altLang="ko-KR" sz="1300" b="1" spc="-30" dirty="0">
-                <a:solidFill>
-                  <a:schemeClr val="tx1">
-                    <a:lumMod val="65000"/>
-                    <a:lumOff val="35000"/>
-                  </a:schemeClr>
-                </a:solidFill>
-                <a:latin typeface="나눔명조" pitchFamily="18" charset="-127"/>
-                <a:ea typeface="나눔명조" pitchFamily="18" charset="-127"/>
-              </a:rPr>
-              <a:t>/</a:t>
-            </a:r>
-            <a:r>
-              <a:rPr lang="ko-KR" altLang="en-US" sz="1300" b="1" spc="-30" dirty="0">
-                <a:solidFill>
-                  <a:schemeClr val="tx1">
-                    <a:lumMod val="65000"/>
-                    <a:lumOff val="35000"/>
-                  </a:schemeClr>
-                </a:solidFill>
-                <a:latin typeface="나눔명조" pitchFamily="18" charset="-127"/>
-                <a:ea typeface="나눔명조" pitchFamily="18" charset="-127"/>
-              </a:rPr>
-              <a:t>제약</a:t>
-            </a:r>
-            <a:r>
-              <a:rPr lang="en-US" altLang="ko-KR" sz="1300" b="1" spc="-30" dirty="0">
-                <a:solidFill>
-                  <a:schemeClr val="tx1">
-                    <a:lumMod val="65000"/>
-                    <a:lumOff val="35000"/>
-                  </a:schemeClr>
-                </a:solidFill>
-                <a:latin typeface="나눔명조" pitchFamily="18" charset="-127"/>
-                <a:ea typeface="나눔명조" pitchFamily="18" charset="-127"/>
-              </a:rPr>
-              <a:t>/</a:t>
-            </a:r>
-            <a:r>
-              <a:rPr lang="ko-KR" altLang="en-US" sz="1300" b="1" spc="-30" dirty="0">
-                <a:solidFill>
-                  <a:schemeClr val="tx1">
-                    <a:lumMod val="65000"/>
-                    <a:lumOff val="35000"/>
-                  </a:schemeClr>
-                </a:solidFill>
-                <a:latin typeface="나눔명조" pitchFamily="18" charset="-127"/>
-                <a:ea typeface="나눔명조" pitchFamily="18" charset="-127"/>
-              </a:rPr>
-              <a:t>복지 관련 업체들은 </a:t>
+              <a:t>반도체 업체와 가까운 거리에 관련 협력 업체들이 주 부류로 분포했을 것으로 판단</a:t>
             </a:r>
             <a:endParaRPr lang="en-US" altLang="ko-KR" sz="1300" b="1" spc="-30" dirty="0">
               <a:solidFill>
@@ -10349,7 +9594,7 @@
     </p:spTree>
     <p:extLst>
       <p:ext uri="{BB962C8B-B14F-4D97-AF65-F5344CB8AC3E}">
-        <p14:creationId xmlns:p14="http://schemas.microsoft.com/office/powerpoint/2010/main" val="3999540057"/>
+        <p14:creationId xmlns:p14="http://schemas.microsoft.com/office/powerpoint/2010/main" val="2630377735"/>
       </p:ext>
     </p:extLst>
   </p:cSld>
